--- a/Informe y PWP del Proyecto/Presentacion Proyecto.pptx
+++ b/Informe y PWP del Proyecto/Presentacion Proyecto.pptx
@@ -3991,6 +3991,14 @@
 <file path=ppt/slides/slide2.xml><?xml version="1.0" encoding="utf-8"?>
 <p:sld xmlns:a="http://schemas.openxmlformats.org/drawingml/2006/main" xmlns:r="http://schemas.openxmlformats.org/officeDocument/2006/relationships" xmlns:p="http://schemas.openxmlformats.org/presentationml/2006/main">
   <p:cSld>
+    <p:bg>
+      <p:bgPr>
+        <a:solidFill>
+          <a:schemeClr val="bg1"/>
+        </a:solidFill>
+        <a:effectLst/>
+      </p:bgPr>
+    </p:bg>
     <p:spTree>
       <p:nvGrpSpPr>
         <p:cNvPr id="1" name=""/>
@@ -4007,6 +4015,137 @@
       </p:grpSpPr>
       <p:sp>
         <p:nvSpPr>
+          <p:cNvPr id="35" name="Rectangle 34">
+            <a:extLst>
+              <a:ext uri="{FF2B5EF4-FFF2-40B4-BE49-F238E27FC236}">
+                <a16:creationId xmlns:a16="http://schemas.microsoft.com/office/drawing/2014/main" id="{F56F5174-31D9-4DBB-AAB7-A1FD7BDB1352}"/>
+              </a:ext>
+              <a:ext uri="{C183D7F6-B498-43B3-948B-1728B52AA6E4}">
+                <adec:decorative xmlns:adec="http://schemas.microsoft.com/office/drawing/2017/decorative" val="1"/>
+              </a:ext>
+            </a:extLst>
+          </p:cNvPr>
+          <p:cNvSpPr>
+            <a:spLocks noGrp="1" noRot="1" noChangeAspect="1" noMove="1" noResize="1" noEditPoints="1" noAdjustHandles="1" noChangeArrowheads="1" noChangeShapeType="1" noTextEdit="1"/>
+          </p:cNvSpPr>
+          <p:nvPr>
+            <p:extLst>
+              <p:ext uri="{386F3935-93C4-4BCD-93E2-E3B085C9AB24}">
+                <p16:designElem xmlns:p16="http://schemas.microsoft.com/office/powerpoint/2015/main" val="1"/>
+              </p:ext>
+            </p:extLst>
+          </p:nvPr>
+        </p:nvSpPr>
+        <p:spPr>
+          <a:xfrm>
+            <a:off x="1" y="0"/>
+            <a:ext cx="5614875" cy="6858000"/>
+          </a:xfrm>
+          <a:prstGeom prst="rect">
+            <a:avLst/>
+          </a:prstGeom>
+          <a:gradFill>
+            <a:gsLst>
+              <a:gs pos="0">
+                <a:schemeClr val="accent1">
+                  <a:lumMod val="100000"/>
+                  <a:alpha val="82000"/>
+                </a:schemeClr>
+              </a:gs>
+              <a:gs pos="25000">
+                <a:schemeClr val="accent1">
+                  <a:alpha val="60000"/>
+                </a:schemeClr>
+              </a:gs>
+              <a:gs pos="94000">
+                <a:schemeClr val="bg2">
+                  <a:lumMod val="75000"/>
+                </a:schemeClr>
+              </a:gs>
+              <a:gs pos="100000">
+                <a:schemeClr val="bg2">
+                  <a:lumMod val="75000"/>
+                </a:schemeClr>
+              </a:gs>
+            </a:gsLst>
+            <a:lin ang="4200000" scaled="0"/>
+          </a:gradFill>
+          <a:ln>
+            <a:noFill/>
+          </a:ln>
+        </p:spPr>
+        <p:style>
+          <a:lnRef idx="2">
+            <a:schemeClr val="accent1">
+              <a:shade val="50000"/>
+            </a:schemeClr>
+          </a:lnRef>
+          <a:fillRef idx="1">
+            <a:schemeClr val="accent1"/>
+          </a:fillRef>
+          <a:effectRef idx="0">
+            <a:schemeClr val="accent1"/>
+          </a:effectRef>
+          <a:fontRef idx="minor">
+            <a:schemeClr val="lt1"/>
+          </a:fontRef>
+        </p:style>
+        <p:txBody>
+          <a:bodyPr rtlCol="0" anchor="ctr"/>
+          <a:lstStyle/>
+          <a:p>
+            <a:pPr algn="ctr"/>
+            <a:endParaRPr lang="en-US"/>
+          </a:p>
+        </p:txBody>
+      </p:sp>
+      <p:pic>
+        <p:nvPicPr>
+          <p:cNvPr id="37" name="Picture 36">
+            <a:extLst>
+              <a:ext uri="{FF2B5EF4-FFF2-40B4-BE49-F238E27FC236}">
+                <a16:creationId xmlns:a16="http://schemas.microsoft.com/office/drawing/2014/main" id="{AE113210-7872-481A-ADE6-3A05CCAF5EB2}"/>
+              </a:ext>
+              <a:ext uri="{C183D7F6-B498-43B3-948B-1728B52AA6E4}">
+                <adec:decorative xmlns:adec="http://schemas.microsoft.com/office/drawing/2017/decorative" val="1"/>
+              </a:ext>
+            </a:extLst>
+          </p:cNvPr>
+          <p:cNvPicPr>
+            <a:picLocks noGrp="1" noRot="1" noChangeAspect="1" noMove="1" noResize="1" noEditPoints="1" noAdjustHandles="1" noChangeArrowheads="1" noChangeShapeType="1" noCrop="1"/>
+          </p:cNvPicPr>
+          <p:nvPr>
+            <p:extLst>
+              <p:ext uri="{386F3935-93C4-4BCD-93E2-E3B085C9AB24}">
+                <p16:designElem xmlns:p16="http://schemas.microsoft.com/office/powerpoint/2015/main" val="1"/>
+              </p:ext>
+            </p:extLst>
+          </p:nvPr>
+        </p:nvPicPr>
+        <p:blipFill>
+          <a:blip r:embed="rId2">
+            <a:extLst>
+              <a:ext uri="{28A0092B-C50C-407E-A947-70E740481C1C}">
+                <a14:useLocalDpi xmlns:a14="http://schemas.microsoft.com/office/drawing/2010/main" val="0"/>
+              </a:ext>
+            </a:extLst>
+          </a:blip>
+          <a:stretch>
+            <a:fillRect/>
+          </a:stretch>
+        </p:blipFill>
+        <p:spPr>
+          <a:xfrm>
+            <a:off x="0" y="0"/>
+            <a:ext cx="12192000" cy="6858000"/>
+          </a:xfrm>
+          <a:prstGeom prst="rect">
+            <a:avLst/>
+          </a:prstGeom>
+        </p:spPr>
+      </p:pic>
+      <p:sp>
+        <p:nvSpPr>
           <p:cNvPr id="2" name="Título 1">
             <a:extLst>
               <a:ext uri="{FF2B5EF4-FFF2-40B4-BE49-F238E27FC236}">
@@ -4021,7 +4160,12 @@
             <p:ph type="title"/>
           </p:nvPr>
         </p:nvSpPr>
-        <p:spPr/>
+        <p:spPr>
+          <a:xfrm>
+            <a:off x="6094105" y="802955"/>
+            <a:ext cx="4977976" cy="1454051"/>
+          </a:xfrm>
+        </p:spPr>
         <p:txBody>
           <a:bodyPr>
             <a:normAutofit/>
@@ -4029,50 +4173,252 @@
           <a:lstStyle/>
           <a:p>
             <a:pPr algn="ctr"/>
-            <a:r>
-              <a:rPr lang="es-ES" sz="5400" b="1" dirty="0"/>
-              <a:t>Introducción</a:t>
-            </a:r>
-            <a:endParaRPr lang="es-ES" sz="4000" b="1" dirty="0"/>
-          </a:p>
-        </p:txBody>
-      </p:sp>
-      <p:sp>
-        <p:nvSpPr>
-          <p:cNvPr id="3" name="Marcador de contenido 2">
-            <a:extLst>
-              <a:ext uri="{FF2B5EF4-FFF2-40B4-BE49-F238E27FC236}">
-                <a16:creationId xmlns:a16="http://schemas.microsoft.com/office/drawing/2014/main" id="{BCD35A8F-13B2-412A-A1E0-E73B1AA70B0B}"/>
-              </a:ext>
-            </a:extLst>
-          </p:cNvPr>
-          <p:cNvSpPr>
-            <a:spLocks noGrp="1"/>
-          </p:cNvSpPr>
-          <p:nvPr>
-            <p:ph idx="1"/>
+            <a:endParaRPr lang="es-ES" b="1" dirty="0">
+              <a:solidFill>
+                <a:srgbClr val="000000"/>
+              </a:solidFill>
+            </a:endParaRPr>
+          </a:p>
+        </p:txBody>
+      </p:sp>
+      <p:sp>
+        <p:nvSpPr>
+          <p:cNvPr id="39" name="Freeform 62">
+            <a:extLst>
+              <a:ext uri="{FF2B5EF4-FFF2-40B4-BE49-F238E27FC236}">
+                <a16:creationId xmlns:a16="http://schemas.microsoft.com/office/drawing/2014/main" id="{F9A95BEE-6BB1-4A28-A8E6-A34B2E42EF87}"/>
+              </a:ext>
+              <a:ext uri="{C183D7F6-B498-43B3-948B-1728B52AA6E4}">
+                <adec:decorative xmlns:adec="http://schemas.microsoft.com/office/drawing/2017/decorative" val="1"/>
+              </a:ext>
+            </a:extLst>
+          </p:cNvPr>
+          <p:cNvSpPr>
+            <a:spLocks noGrp="1" noRot="1" noChangeAspect="1" noMove="1" noResize="1" noEditPoints="1" noAdjustHandles="1" noChangeArrowheads="1" noChangeShapeType="1" noTextEdit="1"/>
+          </p:cNvSpPr>
+          <p:nvPr>
+            <p:extLst>
+              <p:ext uri="{386F3935-93C4-4BCD-93E2-E3B085C9AB24}">
+                <p16:designElem xmlns:p16="http://schemas.microsoft.com/office/powerpoint/2015/main" val="1"/>
+              </p:ext>
+            </p:extLst>
           </p:nvPr>
         </p:nvSpPr>
         <p:spPr>
           <a:xfrm>
-            <a:off x="838200" y="2629749"/>
-            <a:ext cx="10515600" cy="2129687"/>
+            <a:off x="0" y="738619"/>
+            <a:ext cx="5000438" cy="5400962"/>
+          </a:xfrm>
+          <a:custGeom>
+            <a:avLst/>
+            <a:gdLst>
+              <a:gd name="connsiteX0" fmla="*/ 2299956 w 5000438"/>
+              <a:gd name="connsiteY0" fmla="*/ 0 h 5400962"/>
+              <a:gd name="connsiteX1" fmla="*/ 5000438 w 5000438"/>
+              <a:gd name="connsiteY1" fmla="*/ 2700481 h 5400962"/>
+              <a:gd name="connsiteX2" fmla="*/ 2299956 w 5000438"/>
+              <a:gd name="connsiteY2" fmla="*/ 5400962 h 5400962"/>
+              <a:gd name="connsiteX3" fmla="*/ 60675 w 5000438"/>
+              <a:gd name="connsiteY3" fmla="*/ 4210346 h 5400962"/>
+              <a:gd name="connsiteX4" fmla="*/ 0 w 5000438"/>
+              <a:gd name="connsiteY4" fmla="*/ 4110472 h 5400962"/>
+              <a:gd name="connsiteX5" fmla="*/ 0 w 5000438"/>
+              <a:gd name="connsiteY5" fmla="*/ 1290491 h 5400962"/>
+              <a:gd name="connsiteX6" fmla="*/ 60675 w 5000438"/>
+              <a:gd name="connsiteY6" fmla="*/ 1190617 h 5400962"/>
+              <a:gd name="connsiteX7" fmla="*/ 2299956 w 5000438"/>
+              <a:gd name="connsiteY7" fmla="*/ 0 h 5400962"/>
+            </a:gdLst>
+            <a:ahLst/>
+            <a:cxnLst>
+              <a:cxn ang="0">
+                <a:pos x="connsiteX0" y="connsiteY0"/>
+              </a:cxn>
+              <a:cxn ang="0">
+                <a:pos x="connsiteX1" y="connsiteY1"/>
+              </a:cxn>
+              <a:cxn ang="0">
+                <a:pos x="connsiteX2" y="connsiteY2"/>
+              </a:cxn>
+              <a:cxn ang="0">
+                <a:pos x="connsiteX3" y="connsiteY3"/>
+              </a:cxn>
+              <a:cxn ang="0">
+                <a:pos x="connsiteX4" y="connsiteY4"/>
+              </a:cxn>
+              <a:cxn ang="0">
+                <a:pos x="connsiteX5" y="connsiteY5"/>
+              </a:cxn>
+              <a:cxn ang="0">
+                <a:pos x="connsiteX6" y="connsiteY6"/>
+              </a:cxn>
+              <a:cxn ang="0">
+                <a:pos x="connsiteX7" y="connsiteY7"/>
+              </a:cxn>
+            </a:cxnLst>
+            <a:rect l="l" t="t" r="r" b="b"/>
+            <a:pathLst>
+              <a:path w="5000438" h="5400962">
+                <a:moveTo>
+                  <a:pt x="2299956" y="0"/>
+                </a:moveTo>
+                <a:cubicBezTo>
+                  <a:pt x="3791390" y="0"/>
+                  <a:pt x="5000438" y="1209047"/>
+                  <a:pt x="5000438" y="2700481"/>
+                </a:cubicBezTo>
+                <a:cubicBezTo>
+                  <a:pt x="5000438" y="4191915"/>
+                  <a:pt x="3791390" y="5400962"/>
+                  <a:pt x="2299956" y="5400962"/>
+                </a:cubicBezTo>
+                <a:cubicBezTo>
+                  <a:pt x="1367810" y="5400962"/>
+                  <a:pt x="545971" y="4928678"/>
+                  <a:pt x="60675" y="4210346"/>
+                </a:cubicBezTo>
+                <a:lnTo>
+                  <a:pt x="0" y="4110472"/>
+                </a:lnTo>
+                <a:lnTo>
+                  <a:pt x="0" y="1290491"/>
+                </a:lnTo>
+                <a:lnTo>
+                  <a:pt x="60675" y="1190617"/>
+                </a:lnTo>
+                <a:cubicBezTo>
+                  <a:pt x="545971" y="472284"/>
+                  <a:pt x="1367810" y="0"/>
+                  <a:pt x="2299956" y="0"/>
+                </a:cubicBezTo>
+                <a:close/>
+              </a:path>
+            </a:pathLst>
+          </a:custGeom>
+          <a:solidFill>
+            <a:srgbClr val="FFFFFF"/>
+          </a:solidFill>
+          <a:ln>
+            <a:noFill/>
+          </a:ln>
+        </p:spPr>
+        <p:style>
+          <a:lnRef idx="2">
+            <a:schemeClr val="accent1">
+              <a:shade val="50000"/>
+            </a:schemeClr>
+          </a:lnRef>
+          <a:fillRef idx="1">
+            <a:schemeClr val="accent1"/>
+          </a:fillRef>
+          <a:effectRef idx="0">
+            <a:schemeClr val="accent1"/>
+          </a:effectRef>
+          <a:fontRef idx="minor">
+            <a:schemeClr val="lt1"/>
+          </a:fontRef>
+        </p:style>
+        <p:txBody>
+          <a:bodyPr wrap="square" rtlCol="0" anchor="ctr">
+            <a:noAutofit/>
+          </a:bodyPr>
+          <a:lstStyle/>
+          <a:p>
+            <a:pPr algn="ctr"/>
+            <a:endParaRPr lang="en-US"/>
+          </a:p>
+        </p:txBody>
+      </p:sp>
+      <p:sp>
+        <p:nvSpPr>
+          <p:cNvPr id="3" name="Marcador de contenido 2">
+            <a:extLst>
+              <a:ext uri="{FF2B5EF4-FFF2-40B4-BE49-F238E27FC236}">
+                <a16:creationId xmlns:a16="http://schemas.microsoft.com/office/drawing/2014/main" id="{BCD35A8F-13B2-412A-A1E0-E73B1AA70B0B}"/>
+              </a:ext>
+            </a:extLst>
+          </p:cNvPr>
+          <p:cNvSpPr>
+            <a:spLocks noGrp="1"/>
+          </p:cNvSpPr>
+          <p:nvPr>
+            <p:ph idx="1"/>
+          </p:nvPr>
+        </p:nvSpPr>
+        <p:spPr>
+          <a:xfrm>
+            <a:off x="6094105" y="2464539"/>
+            <a:ext cx="5614874" cy="3001010"/>
           </a:xfrm>
         </p:spPr>
         <p:txBody>
-          <a:bodyPr/>
-          <a:lstStyle/>
-          <a:p>
-            <a:pPr marL="0" indent="0" algn="ctr">
+          <a:bodyPr anchor="ctr">
+            <a:normAutofit/>
+          </a:bodyPr>
+          <a:lstStyle/>
+          <a:p>
+            <a:pPr marL="0" indent="0">
               <a:buNone/>
             </a:pPr>
             <a:r>
-              <a:rPr lang="es-ES" dirty="0"/>
+              <a:rPr lang="es-ES" sz="2000">
+                <a:solidFill>
+                  <a:srgbClr val="000000"/>
+                </a:solidFill>
+              </a:rPr>
               <a:t>Nuestra aplicación te ofrece la posibilidad de crear tus propias recetas y enseñárselas al resto del mundo, también ofrece retos para que pongas tus habilidades a prueba junto con otros usuarios, además podrás subir de seguidores y ver los platos que han subido tanto tus seguidores como aquellos usuarios a los que sigues.</a:t>
             </a:r>
-          </a:p>
-        </p:txBody>
-      </p:sp>
+            <a:endParaRPr lang="es-ES" sz="2000" dirty="0">
+              <a:solidFill>
+                <a:srgbClr val="000000"/>
+              </a:solidFill>
+            </a:endParaRPr>
+          </a:p>
+        </p:txBody>
+      </p:sp>
+      <p:pic>
+        <p:nvPicPr>
+          <p:cNvPr id="29" name="Imagen 28">
+            <a:extLst>
+              <a:ext uri="{FF2B5EF4-FFF2-40B4-BE49-F238E27FC236}">
+                <a16:creationId xmlns:a16="http://schemas.microsoft.com/office/drawing/2014/main" id="{1DFEF0D1-DACD-429C-9380-E77BFDBFC8EB}"/>
+              </a:ext>
+            </a:extLst>
+          </p:cNvPr>
+          <p:cNvPicPr>
+            <a:picLocks noChangeAspect="1"/>
+          </p:cNvPicPr>
+          <p:nvPr/>
+        </p:nvPicPr>
+        <p:blipFill>
+          <a:blip r:embed="rId3">
+            <a:duotone>
+              <a:prstClr val="black"/>
+              <a:schemeClr val="accent1">
+                <a:tint val="45000"/>
+                <a:satMod val="400000"/>
+              </a:schemeClr>
+            </a:duotone>
+            <a:extLst>
+              <a:ext uri="{28A0092B-C50C-407E-A947-70E740481C1C}">
+                <a14:useLocalDpi xmlns:a14="http://schemas.microsoft.com/office/drawing/2010/main" val="0"/>
+              </a:ext>
+            </a:extLst>
+          </a:blip>
+          <a:stretch>
+            <a:fillRect/>
+          </a:stretch>
+        </p:blipFill>
+        <p:spPr>
+          <a:xfrm>
+            <a:off x="6454261" y="1072088"/>
+            <a:ext cx="4413035" cy="920364"/>
+          </a:xfrm>
+          <a:prstGeom prst="rect">
+            <a:avLst/>
+          </a:prstGeom>
+        </p:spPr>
+      </p:pic>
     </p:spTree>
     <p:extLst>
       <p:ext uri="{BB962C8B-B14F-4D97-AF65-F5344CB8AC3E}">
@@ -4127,38 +4473,85 @@
           <a:lstStyle/>
           <a:p>
             <a:pPr algn="ctr"/>
-            <a:r>
-              <a:rPr lang="es-ES" sz="5400" b="1" dirty="0"/>
+            <a:endParaRPr lang="es-ES" sz="3600" dirty="0"/>
+          </a:p>
+        </p:txBody>
+      </p:sp>
+      <p:sp>
+        <p:nvSpPr>
+          <p:cNvPr id="8" name="Marcador de contenido 7">
+            <a:extLst>
+              <a:ext uri="{FF2B5EF4-FFF2-40B4-BE49-F238E27FC236}">
+                <a16:creationId xmlns:a16="http://schemas.microsoft.com/office/drawing/2014/main" id="{F7C67E9E-AC46-4E1D-8B96-A78DF238F88F}"/>
+              </a:ext>
+            </a:extLst>
+          </p:cNvPr>
+          <p:cNvSpPr>
+            <a:spLocks noGrp="1"/>
+          </p:cNvSpPr>
+          <p:nvPr>
+            <p:ph idx="1"/>
+          </p:nvPr>
+        </p:nvSpPr>
+        <p:spPr/>
+        <p:txBody>
+          <a:bodyPr/>
+          <a:lstStyle/>
+          <a:p>
+            <a:pPr marL="0" indent="0">
+              <a:buNone/>
+            </a:pPr>
+            <a:r>
+              <a:rPr lang="es-ES" b="1" dirty="0"/>
               <a:t>Presentación del proyecto</a:t>
             </a:r>
-          </a:p>
-        </p:txBody>
-      </p:sp>
-      <p:sp>
-        <p:nvSpPr>
-          <p:cNvPr id="8" name="Marcador de contenido 7">
-            <a:extLst>
-              <a:ext uri="{FF2B5EF4-FFF2-40B4-BE49-F238E27FC236}">
-                <a16:creationId xmlns:a16="http://schemas.microsoft.com/office/drawing/2014/main" id="{F7C67E9E-AC46-4E1D-8B96-A78DF238F88F}"/>
-              </a:ext>
-            </a:extLst>
-          </p:cNvPr>
-          <p:cNvSpPr>
-            <a:spLocks noGrp="1"/>
-          </p:cNvSpPr>
-          <p:nvPr>
-            <p:ph idx="1"/>
-          </p:nvPr>
-        </p:nvSpPr>
-        <p:spPr/>
-        <p:txBody>
-          <a:bodyPr/>
-          <a:lstStyle/>
-          <a:p>
-            <a:endParaRPr lang="es-ES"/>
-          </a:p>
-        </p:txBody>
-      </p:sp>
+            <a:endParaRPr lang="es-ES" dirty="0"/>
+          </a:p>
+        </p:txBody>
+      </p:sp>
+      <p:pic>
+        <p:nvPicPr>
+          <p:cNvPr id="5" name="Imagen 4">
+            <a:extLst>
+              <a:ext uri="{FF2B5EF4-FFF2-40B4-BE49-F238E27FC236}">
+                <a16:creationId xmlns:a16="http://schemas.microsoft.com/office/drawing/2014/main" id="{15A62E3D-F1A0-4F7A-953B-62DDBABA2321}"/>
+              </a:ext>
+            </a:extLst>
+          </p:cNvPr>
+          <p:cNvPicPr>
+            <a:picLocks noChangeAspect="1"/>
+          </p:cNvPicPr>
+          <p:nvPr/>
+        </p:nvPicPr>
+        <p:blipFill>
+          <a:blip r:embed="rId2">
+            <a:duotone>
+              <a:prstClr val="black"/>
+              <a:schemeClr val="accent1">
+                <a:tint val="45000"/>
+                <a:satMod val="400000"/>
+              </a:schemeClr>
+            </a:duotone>
+            <a:extLst>
+              <a:ext uri="{28A0092B-C50C-407E-A947-70E740481C1C}">
+                <a14:useLocalDpi xmlns:a14="http://schemas.microsoft.com/office/drawing/2010/main" val="0"/>
+              </a:ext>
+            </a:extLst>
+          </a:blip>
+          <a:stretch>
+            <a:fillRect/>
+          </a:stretch>
+        </p:blipFill>
+        <p:spPr>
+          <a:xfrm>
+            <a:off x="3889482" y="567724"/>
+            <a:ext cx="4413035" cy="920364"/>
+          </a:xfrm>
+          <a:prstGeom prst="rect">
+            <a:avLst/>
+          </a:prstGeom>
+        </p:spPr>
+      </p:pic>
     </p:spTree>
     <p:extLst>
       <p:ext uri="{BB962C8B-B14F-4D97-AF65-F5344CB8AC3E}">
@@ -4213,41 +4606,85 @@
           <a:lstStyle/>
           <a:p>
             <a:pPr algn="ctr"/>
-            <a:r>
-              <a:rPr lang="es-ES" sz="5400" b="1" dirty="0"/>
+            <a:endParaRPr lang="es-ES" sz="4000" dirty="0"/>
+          </a:p>
+        </p:txBody>
+      </p:sp>
+      <p:sp>
+        <p:nvSpPr>
+          <p:cNvPr id="3" name="Marcador de contenido 2">
+            <a:extLst>
+              <a:ext uri="{FF2B5EF4-FFF2-40B4-BE49-F238E27FC236}">
+                <a16:creationId xmlns:a16="http://schemas.microsoft.com/office/drawing/2014/main" id="{81F93195-F831-4808-9A76-CFD13DC2D36E}"/>
+              </a:ext>
+            </a:extLst>
+          </p:cNvPr>
+          <p:cNvSpPr>
+            <a:spLocks noGrp="1"/>
+          </p:cNvSpPr>
+          <p:nvPr>
+            <p:ph idx="1"/>
+          </p:nvPr>
+        </p:nvSpPr>
+        <p:spPr/>
+        <p:txBody>
+          <a:bodyPr/>
+          <a:lstStyle/>
+          <a:p>
+            <a:pPr marL="0" indent="0">
+              <a:buNone/>
+            </a:pPr>
+            <a:r>
+              <a:rPr lang="es-ES" b="1" dirty="0"/>
               <a:t>¿Cómo hemos llevado acabo el proyecto? </a:t>
             </a:r>
-          </a:p>
-        </p:txBody>
-      </p:sp>
-      <p:sp>
-        <p:nvSpPr>
-          <p:cNvPr id="3" name="Marcador de contenido 2">
-            <a:extLst>
-              <a:ext uri="{FF2B5EF4-FFF2-40B4-BE49-F238E27FC236}">
-                <a16:creationId xmlns:a16="http://schemas.microsoft.com/office/drawing/2014/main" id="{81F93195-F831-4808-9A76-CFD13DC2D36E}"/>
-              </a:ext>
-            </a:extLst>
-          </p:cNvPr>
-          <p:cNvSpPr>
-            <a:spLocks noGrp="1"/>
-          </p:cNvSpPr>
-          <p:nvPr>
-            <p:ph idx="1"/>
-          </p:nvPr>
-        </p:nvSpPr>
-        <p:spPr/>
-        <p:txBody>
-          <a:bodyPr/>
-          <a:lstStyle/>
-          <a:p>
-            <a:pPr marL="0" indent="0">
-              <a:buNone/>
-            </a:pPr>
             <a:endParaRPr lang="es-ES" dirty="0"/>
           </a:p>
         </p:txBody>
       </p:sp>
+      <p:pic>
+        <p:nvPicPr>
+          <p:cNvPr id="4" name="Imagen 3">
+            <a:extLst>
+              <a:ext uri="{FF2B5EF4-FFF2-40B4-BE49-F238E27FC236}">
+                <a16:creationId xmlns:a16="http://schemas.microsoft.com/office/drawing/2014/main" id="{EACC6C1E-C349-4B15-88EB-BDA28D4DB02F}"/>
+              </a:ext>
+            </a:extLst>
+          </p:cNvPr>
+          <p:cNvPicPr>
+            <a:picLocks noChangeAspect="1"/>
+          </p:cNvPicPr>
+          <p:nvPr/>
+        </p:nvPicPr>
+        <p:blipFill>
+          <a:blip r:embed="rId2">
+            <a:duotone>
+              <a:prstClr val="black"/>
+              <a:schemeClr val="accent1">
+                <a:tint val="45000"/>
+                <a:satMod val="400000"/>
+              </a:schemeClr>
+            </a:duotone>
+            <a:extLst>
+              <a:ext uri="{28A0092B-C50C-407E-A947-70E740481C1C}">
+                <a14:useLocalDpi xmlns:a14="http://schemas.microsoft.com/office/drawing/2010/main" val="0"/>
+              </a:ext>
+            </a:extLst>
+          </a:blip>
+          <a:stretch>
+            <a:fillRect/>
+          </a:stretch>
+        </p:blipFill>
+        <p:spPr>
+          <a:xfrm>
+            <a:off x="3889482" y="567724"/>
+            <a:ext cx="4413035" cy="920364"/>
+          </a:xfrm>
+          <a:prstGeom prst="rect">
+            <a:avLst/>
+          </a:prstGeom>
+        </p:spPr>
+      </p:pic>
     </p:spTree>
     <p:extLst>
       <p:ext uri="{BB962C8B-B14F-4D97-AF65-F5344CB8AC3E}">
@@ -4302,41 +4739,85 @@
           <a:lstStyle/>
           <a:p>
             <a:pPr algn="ctr"/>
-            <a:r>
-              <a:rPr lang="es-ES" sz="5400" b="1" dirty="0"/>
+            <a:endParaRPr lang="es-ES" sz="4000" dirty="0"/>
+          </a:p>
+        </p:txBody>
+      </p:sp>
+      <p:sp>
+        <p:nvSpPr>
+          <p:cNvPr id="3" name="Marcador de contenido 2">
+            <a:extLst>
+              <a:ext uri="{FF2B5EF4-FFF2-40B4-BE49-F238E27FC236}">
+                <a16:creationId xmlns:a16="http://schemas.microsoft.com/office/drawing/2014/main" id="{44BB6D10-CF38-457B-B3F4-07FDA8894E08}"/>
+              </a:ext>
+            </a:extLst>
+          </p:cNvPr>
+          <p:cNvSpPr>
+            <a:spLocks noGrp="1"/>
+          </p:cNvSpPr>
+          <p:nvPr>
+            <p:ph idx="1"/>
+          </p:nvPr>
+        </p:nvSpPr>
+        <p:spPr/>
+        <p:txBody>
+          <a:bodyPr/>
+          <a:lstStyle/>
+          <a:p>
+            <a:pPr marL="0" indent="0">
+              <a:buNone/>
+            </a:pPr>
+            <a:r>
+              <a:rPr lang="es-ES" b="1" dirty="0"/>
               <a:t>Aplicación</a:t>
             </a:r>
-          </a:p>
-        </p:txBody>
-      </p:sp>
-      <p:sp>
-        <p:nvSpPr>
-          <p:cNvPr id="3" name="Marcador de contenido 2">
-            <a:extLst>
-              <a:ext uri="{FF2B5EF4-FFF2-40B4-BE49-F238E27FC236}">
-                <a16:creationId xmlns:a16="http://schemas.microsoft.com/office/drawing/2014/main" id="{44BB6D10-CF38-457B-B3F4-07FDA8894E08}"/>
-              </a:ext>
-            </a:extLst>
-          </p:cNvPr>
-          <p:cNvSpPr>
-            <a:spLocks noGrp="1"/>
-          </p:cNvSpPr>
-          <p:nvPr>
-            <p:ph idx="1"/>
-          </p:nvPr>
-        </p:nvSpPr>
-        <p:spPr/>
-        <p:txBody>
-          <a:bodyPr/>
-          <a:lstStyle/>
-          <a:p>
-            <a:pPr marL="0" indent="0">
-              <a:buNone/>
-            </a:pPr>
             <a:endParaRPr lang="es-ES" dirty="0"/>
           </a:p>
         </p:txBody>
       </p:sp>
+      <p:pic>
+        <p:nvPicPr>
+          <p:cNvPr id="4" name="Imagen 3">
+            <a:extLst>
+              <a:ext uri="{FF2B5EF4-FFF2-40B4-BE49-F238E27FC236}">
+                <a16:creationId xmlns:a16="http://schemas.microsoft.com/office/drawing/2014/main" id="{EA6C1818-0674-4176-AA31-2FED70C6197A}"/>
+              </a:ext>
+            </a:extLst>
+          </p:cNvPr>
+          <p:cNvPicPr>
+            <a:picLocks noChangeAspect="1"/>
+          </p:cNvPicPr>
+          <p:nvPr/>
+        </p:nvPicPr>
+        <p:blipFill>
+          <a:blip r:embed="rId2">
+            <a:duotone>
+              <a:prstClr val="black"/>
+              <a:schemeClr val="accent1">
+                <a:tint val="45000"/>
+                <a:satMod val="400000"/>
+              </a:schemeClr>
+            </a:duotone>
+            <a:extLst>
+              <a:ext uri="{28A0092B-C50C-407E-A947-70E740481C1C}">
+                <a14:useLocalDpi xmlns:a14="http://schemas.microsoft.com/office/drawing/2010/main" val="0"/>
+              </a:ext>
+            </a:extLst>
+          </a:blip>
+          <a:stretch>
+            <a:fillRect/>
+          </a:stretch>
+        </p:blipFill>
+        <p:spPr>
+          <a:xfrm>
+            <a:off x="3889482" y="567724"/>
+            <a:ext cx="4413035" cy="920364"/>
+          </a:xfrm>
+          <a:prstGeom prst="rect">
+            <a:avLst/>
+          </a:prstGeom>
+        </p:spPr>
+      </p:pic>
     </p:spTree>
     <p:extLst>
       <p:ext uri="{BB962C8B-B14F-4D97-AF65-F5344CB8AC3E}">
@@ -4391,41 +4872,85 @@
           <a:lstStyle/>
           <a:p>
             <a:pPr algn="ctr"/>
-            <a:r>
-              <a:rPr lang="es-ES" sz="5400" b="1" dirty="0"/>
+            <a:endParaRPr lang="es-ES" sz="4000" dirty="0"/>
+          </a:p>
+        </p:txBody>
+      </p:sp>
+      <p:sp>
+        <p:nvSpPr>
+          <p:cNvPr id="3" name="Marcador de contenido 2">
+            <a:extLst>
+              <a:ext uri="{FF2B5EF4-FFF2-40B4-BE49-F238E27FC236}">
+                <a16:creationId xmlns:a16="http://schemas.microsoft.com/office/drawing/2014/main" id="{F1FB62CA-84CE-4027-A7F4-970CFED96C12}"/>
+              </a:ext>
+            </a:extLst>
+          </p:cNvPr>
+          <p:cNvSpPr>
+            <a:spLocks noGrp="1"/>
+          </p:cNvSpPr>
+          <p:nvPr>
+            <p:ph idx="1"/>
+          </p:nvPr>
+        </p:nvSpPr>
+        <p:spPr/>
+        <p:txBody>
+          <a:bodyPr/>
+          <a:lstStyle/>
+          <a:p>
+            <a:pPr marL="0" indent="0">
+              <a:buNone/>
+            </a:pPr>
+            <a:r>
+              <a:rPr lang="es-ES" b="1" dirty="0"/>
               <a:t>Conclusión</a:t>
             </a:r>
-          </a:p>
-        </p:txBody>
-      </p:sp>
-      <p:sp>
-        <p:nvSpPr>
-          <p:cNvPr id="3" name="Marcador de contenido 2">
-            <a:extLst>
-              <a:ext uri="{FF2B5EF4-FFF2-40B4-BE49-F238E27FC236}">
-                <a16:creationId xmlns:a16="http://schemas.microsoft.com/office/drawing/2014/main" id="{F1FB62CA-84CE-4027-A7F4-970CFED96C12}"/>
-              </a:ext>
-            </a:extLst>
-          </p:cNvPr>
-          <p:cNvSpPr>
-            <a:spLocks noGrp="1"/>
-          </p:cNvSpPr>
-          <p:nvPr>
-            <p:ph idx="1"/>
-          </p:nvPr>
-        </p:nvSpPr>
-        <p:spPr/>
-        <p:txBody>
-          <a:bodyPr/>
-          <a:lstStyle/>
-          <a:p>
-            <a:pPr marL="0" indent="0">
-              <a:buNone/>
-            </a:pPr>
             <a:endParaRPr lang="es-ES" dirty="0"/>
           </a:p>
         </p:txBody>
       </p:sp>
+      <p:pic>
+        <p:nvPicPr>
+          <p:cNvPr id="4" name="Imagen 3">
+            <a:extLst>
+              <a:ext uri="{FF2B5EF4-FFF2-40B4-BE49-F238E27FC236}">
+                <a16:creationId xmlns:a16="http://schemas.microsoft.com/office/drawing/2014/main" id="{5EE6346C-C017-43DF-A6FB-481B4C2C6115}"/>
+              </a:ext>
+            </a:extLst>
+          </p:cNvPr>
+          <p:cNvPicPr>
+            <a:picLocks noChangeAspect="1"/>
+          </p:cNvPicPr>
+          <p:nvPr/>
+        </p:nvPicPr>
+        <p:blipFill>
+          <a:blip r:embed="rId2">
+            <a:duotone>
+              <a:prstClr val="black"/>
+              <a:schemeClr val="accent1">
+                <a:tint val="45000"/>
+                <a:satMod val="400000"/>
+              </a:schemeClr>
+            </a:duotone>
+            <a:extLst>
+              <a:ext uri="{28A0092B-C50C-407E-A947-70E740481C1C}">
+                <a14:useLocalDpi xmlns:a14="http://schemas.microsoft.com/office/drawing/2010/main" val="0"/>
+              </a:ext>
+            </a:extLst>
+          </a:blip>
+          <a:stretch>
+            <a:fillRect/>
+          </a:stretch>
+        </p:blipFill>
+        <p:spPr>
+          <a:xfrm>
+            <a:off x="3889482" y="567724"/>
+            <a:ext cx="4413035" cy="920364"/>
+          </a:xfrm>
+          <a:prstGeom prst="rect">
+            <a:avLst/>
+          </a:prstGeom>
+        </p:spPr>
+      </p:pic>
     </p:spTree>
     <p:extLst>
       <p:ext uri="{BB962C8B-B14F-4D97-AF65-F5344CB8AC3E}">

--- a/Informe y PWP del Proyecto/Presentacion Proyecto.pptx
+++ b/Informe y PWP del Proyecto/Presentacion Proyecto.pptx
@@ -11,6 +11,9 @@
     <p:sldId id="259" r:id="rId5"/>
     <p:sldId id="263" r:id="rId6"/>
     <p:sldId id="262" r:id="rId7"/>
+    <p:sldId id="264" r:id="rId8"/>
+    <p:sldId id="265" r:id="rId9"/>
+    <p:sldId id="266" r:id="rId10"/>
   </p:sldIdLst>
   <p:sldSz cx="12192000" cy="6858000"/>
   <p:notesSz cx="7559675" cy="10691813"/>
@@ -6854,7 +6857,7 @@
         </p:blipFill>
         <p:spPr>
           <a:xfrm>
-            <a:off x="5000179" y="275932"/>
+            <a:off x="5000179" y="305115"/>
             <a:ext cx="2697480" cy="2697480"/>
           </a:xfrm>
           <a:prstGeom prst="rect">
@@ -8239,6 +8242,983 @@
     <p:extLst>
       <p:ext uri="{BB962C8B-B14F-4D97-AF65-F5344CB8AC3E}">
         <p14:creationId xmlns:p14="http://schemas.microsoft.com/office/powerpoint/2010/main" val="243634194"/>
+      </p:ext>
+    </p:extLst>
+  </p:cSld>
+  <p:clrMapOvr>
+    <a:overrideClrMapping bg1="lt1" tx1="dk1" bg2="lt2" tx2="dk2" accent1="accent1" accent2="accent2" accent3="accent3" accent4="accent4" accent5="accent5" accent6="accent6" hlink="hlink" folHlink="folHlink"/>
+  </p:clrMapOvr>
+</p:sld>
+</file>
+
+<file path=ppt/slides/slide6.xml><?xml version="1.0" encoding="utf-8"?>
+<p:sld xmlns:a="http://schemas.openxmlformats.org/drawingml/2006/main" xmlns:r="http://schemas.openxmlformats.org/officeDocument/2006/relationships" xmlns:p="http://schemas.openxmlformats.org/presentationml/2006/main">
+  <p:cSld>
+    <p:spTree>
+      <p:nvGrpSpPr>
+        <p:cNvPr id="1" name=""/>
+        <p:cNvGrpSpPr/>
+        <p:nvPr/>
+      </p:nvGrpSpPr>
+      <p:grpSpPr>
+        <a:xfrm>
+          <a:off x="0" y="0"/>
+          <a:ext cx="0" cy="0"/>
+          <a:chOff x="0" y="0"/>
+          <a:chExt cx="0" cy="0"/>
+        </a:xfrm>
+      </p:grpSpPr>
+      <p:sp>
+        <p:nvSpPr>
+          <p:cNvPr id="2" name="Título 1">
+            <a:extLst>
+              <a:ext uri="{FF2B5EF4-FFF2-40B4-BE49-F238E27FC236}">
+                <a16:creationId xmlns:a16="http://schemas.microsoft.com/office/drawing/2014/main" id="{EBBBEC23-4F11-454D-9EDA-D94BC7DA159D}"/>
+              </a:ext>
+            </a:extLst>
+          </p:cNvPr>
+          <p:cNvSpPr>
+            <a:spLocks noGrp="1"/>
+          </p:cNvSpPr>
+          <p:nvPr>
+            <p:ph type="title"/>
+          </p:nvPr>
+        </p:nvSpPr>
+        <p:spPr>
+          <a:xfrm>
+            <a:off x="3649459" y="216082"/>
+            <a:ext cx="4893081" cy="1508760"/>
+          </a:xfrm>
+        </p:spPr>
+        <p:txBody>
+          <a:bodyPr/>
+          <a:lstStyle/>
+          <a:p>
+            <a:r>
+              <a:rPr lang="es-ES" dirty="0"/>
+              <a:t>CARACTERÍSTICAS </a:t>
+            </a:r>
+          </a:p>
+        </p:txBody>
+      </p:sp>
+      <p:pic>
+        <p:nvPicPr>
+          <p:cNvPr id="3" name="Imagen 4">
+            <a:extLst>
+              <a:ext uri="{FF2B5EF4-FFF2-40B4-BE49-F238E27FC236}">
+                <a16:creationId xmlns:a16="http://schemas.microsoft.com/office/drawing/2014/main" id="{2B2458C6-7ED4-4D16-8B10-A7544B823AE2}"/>
+              </a:ext>
+            </a:extLst>
+          </p:cNvPr>
+          <p:cNvPicPr/>
+          <p:nvPr/>
+        </p:nvPicPr>
+        <p:blipFill rotWithShape="1">
+          <a:blip r:embed="rId2">
+            <a:extLst/>
+          </a:blip>
+          <a:stretch/>
+        </p:blipFill>
+        <p:spPr>
+          <a:xfrm>
+            <a:off x="9426264" y="382587"/>
+            <a:ext cx="1342255" cy="1342255"/>
+          </a:xfrm>
+          <a:prstGeom prst="rect">
+            <a:avLst/>
+          </a:prstGeom>
+        </p:spPr>
+      </p:pic>
+      <p:sp>
+        <p:nvSpPr>
+          <p:cNvPr id="4" name="CuadroTexto 3">
+            <a:extLst>
+              <a:ext uri="{FF2B5EF4-FFF2-40B4-BE49-F238E27FC236}">
+                <a16:creationId xmlns:a16="http://schemas.microsoft.com/office/drawing/2014/main" id="{9F32F4C2-95CC-462C-ACF5-0643CC36455F}"/>
+              </a:ext>
+            </a:extLst>
+          </p:cNvPr>
+          <p:cNvSpPr txBox="1"/>
+          <p:nvPr/>
+        </p:nvSpPr>
+        <p:spPr>
+          <a:xfrm>
+            <a:off x="2201694" y="2821021"/>
+            <a:ext cx="9990306" cy="2677656"/>
+          </a:xfrm>
+          <a:prstGeom prst="rect">
+            <a:avLst/>
+          </a:prstGeom>
+          <a:noFill/>
+        </p:spPr>
+        <p:txBody>
+          <a:bodyPr wrap="square" rtlCol="0">
+            <a:spAutoFit/>
+          </a:bodyPr>
+          <a:lstStyle/>
+          <a:p>
+            <a:pPr marL="342900" indent="-342900">
+              <a:buFont typeface="Arial" panose="020B0604020202020204" pitchFamily="34" charset="0"/>
+              <a:buChar char="•"/>
+            </a:pPr>
+            <a:r>
+              <a:rPr lang="es-ES" sz="2400" dirty="0"/>
+              <a:t>CREACIÓN  Y MODIFICACIÓN DE USUARIOS</a:t>
+            </a:r>
+          </a:p>
+          <a:p>
+            <a:pPr marL="342900" indent="-342900">
+              <a:buFont typeface="Arial" panose="020B0604020202020204" pitchFamily="34" charset="0"/>
+              <a:buChar char="•"/>
+            </a:pPr>
+            <a:r>
+              <a:rPr lang="es-ES" sz="2400" dirty="0"/>
+              <a:t>SUBIDA Y BORRADO DE RECETAS</a:t>
+            </a:r>
+          </a:p>
+          <a:p>
+            <a:pPr marL="342900" indent="-342900">
+              <a:buFont typeface="Arial" panose="020B0604020202020204" pitchFamily="34" charset="0"/>
+              <a:buChar char="•"/>
+            </a:pPr>
+            <a:r>
+              <a:rPr lang="es-ES" sz="2400" dirty="0"/>
+              <a:t>NAVEGACIÓN CON USUARIO O EN MODO INVITADO</a:t>
+            </a:r>
+          </a:p>
+          <a:p>
+            <a:pPr marL="342900" indent="-342900">
+              <a:buFont typeface="Arial" panose="020B0604020202020204" pitchFamily="34" charset="0"/>
+              <a:buChar char="•"/>
+            </a:pPr>
+            <a:r>
+              <a:rPr lang="es-ES" sz="2400" dirty="0"/>
+              <a:t>CONTRASEÑAS CIFRADAS</a:t>
+            </a:r>
+          </a:p>
+          <a:p>
+            <a:pPr marL="342900" indent="-342900">
+              <a:buFont typeface="Arial" panose="020B0604020202020204" pitchFamily="34" charset="0"/>
+              <a:buChar char="•"/>
+            </a:pPr>
+            <a:r>
+              <a:rPr lang="es-ES" sz="2400" dirty="0"/>
+              <a:t>ALGORITMO DE BÚSQUEDA POR ETIQUETAS, INGREDIENTES O USUARIOS</a:t>
+            </a:r>
+          </a:p>
+          <a:p>
+            <a:pPr marL="342900" indent="-342900">
+              <a:buFont typeface="Arial" panose="020B0604020202020204" pitchFamily="34" charset="0"/>
+              <a:buChar char="•"/>
+            </a:pPr>
+            <a:r>
+              <a:rPr lang="es-ES" sz="2400" dirty="0"/>
+              <a:t>SISTEMA DE SEGUIMIENTO DE USUARIOS</a:t>
+            </a:r>
+          </a:p>
+        </p:txBody>
+      </p:sp>
+    </p:spTree>
+    <p:extLst>
+      <p:ext uri="{BB962C8B-B14F-4D97-AF65-F5344CB8AC3E}">
+        <p14:creationId xmlns:p14="http://schemas.microsoft.com/office/powerpoint/2010/main" val="2810379516"/>
+      </p:ext>
+    </p:extLst>
+  </p:cSld>
+  <p:clrMapOvr>
+    <a:masterClrMapping/>
+  </p:clrMapOvr>
+</p:sld>
+</file>
+
+<file path=ppt/slides/slide7.xml><?xml version="1.0" encoding="utf-8"?>
+<p:sld xmlns:a="http://schemas.openxmlformats.org/drawingml/2006/main" xmlns:r="http://schemas.openxmlformats.org/officeDocument/2006/relationships" xmlns:p="http://schemas.openxmlformats.org/presentationml/2006/main">
+  <p:cSld>
+    <p:bg>
+      <p:bgPr>
+        <a:solidFill>
+          <a:schemeClr val="bg1"/>
+        </a:solidFill>
+        <a:effectLst/>
+      </p:bgPr>
+    </p:bg>
+    <p:spTree>
+      <p:nvGrpSpPr>
+        <p:cNvPr id="1" name=""/>
+        <p:cNvGrpSpPr/>
+        <p:nvPr/>
+      </p:nvGrpSpPr>
+      <p:grpSpPr>
+        <a:xfrm>
+          <a:off x="0" y="0"/>
+          <a:ext cx="0" cy="0"/>
+          <a:chOff x="0" y="0"/>
+          <a:chExt cx="0" cy="0"/>
+        </a:xfrm>
+      </p:grpSpPr>
+      <p:sp>
+        <p:nvSpPr>
+          <p:cNvPr id="7" name="Rectangle 6">
+            <a:extLst>
+              <a:ext uri="{FF2B5EF4-FFF2-40B4-BE49-F238E27FC236}">
+                <a16:creationId xmlns:a16="http://schemas.microsoft.com/office/drawing/2014/main" id="{13E75778-8865-451E-A418-58B337FE5B33}"/>
+              </a:ext>
+              <a:ext uri="{C183D7F6-B498-43B3-948B-1728B52AA6E4}">
+                <adec:decorative xmlns:adec="http://schemas.microsoft.com/office/drawing/2017/decorative" val="1"/>
+              </a:ext>
+            </a:extLst>
+          </p:cNvPr>
+          <p:cNvSpPr>
+            <a:spLocks noGrp="1" noRot="1" noChangeAspect="1" noMove="1" noResize="1" noEditPoints="1" noAdjustHandles="1" noChangeArrowheads="1" noChangeShapeType="1" noTextEdit="1"/>
+          </p:cNvSpPr>
+          <p:nvPr>
+            <p:extLst>
+              <p:ext uri="{386F3935-93C4-4BCD-93E2-E3B085C9AB24}">
+                <p16:designElem xmlns:p16="http://schemas.microsoft.com/office/powerpoint/2015/main" val="1"/>
+              </p:ext>
+            </p:extLst>
+          </p:nvPr>
+        </p:nvSpPr>
+        <p:spPr>
+          <a:xfrm>
+            <a:off x="-6843" y="2059012"/>
+            <a:ext cx="12195668" cy="1828800"/>
+          </a:xfrm>
+          <a:prstGeom prst="rect">
+            <a:avLst/>
+          </a:prstGeom>
+          <a:solidFill>
+            <a:schemeClr val="tx1"/>
+          </a:solidFill>
+          <a:ln>
+            <a:noFill/>
+          </a:ln>
+        </p:spPr>
+        <p:style>
+          <a:lnRef idx="2">
+            <a:schemeClr val="accent1">
+              <a:shade val="50000"/>
+            </a:schemeClr>
+          </a:lnRef>
+          <a:fillRef idx="1">
+            <a:schemeClr val="accent1"/>
+          </a:fillRef>
+          <a:effectRef idx="0">
+            <a:schemeClr val="accent1"/>
+          </a:effectRef>
+          <a:fontRef idx="minor">
+            <a:schemeClr val="lt1"/>
+          </a:fontRef>
+        </p:style>
+      </p:sp>
+      <p:sp useBgFill="1">
+        <p:nvSpPr>
+          <p:cNvPr id="9" name="Rectangle 8">
+            <a:extLst>
+              <a:ext uri="{FF2B5EF4-FFF2-40B4-BE49-F238E27FC236}">
+                <a16:creationId xmlns:a16="http://schemas.microsoft.com/office/drawing/2014/main" id="{96F36299-AB34-4381-8268-0EBF2EF55CAB}"/>
+              </a:ext>
+              <a:ext uri="{C183D7F6-B498-43B3-948B-1728B52AA6E4}">
+                <adec:decorative xmlns:adec="http://schemas.microsoft.com/office/drawing/2017/decorative" val="1"/>
+              </a:ext>
+            </a:extLst>
+          </p:cNvPr>
+          <p:cNvSpPr>
+            <a:spLocks noGrp="1" noRot="1" noChangeAspect="1" noMove="1" noResize="1" noEditPoints="1" noAdjustHandles="1" noChangeArrowheads="1" noChangeShapeType="1" noTextEdit="1"/>
+          </p:cNvSpPr>
+          <p:nvPr>
+            <p:extLst>
+              <p:ext uri="{386F3935-93C4-4BCD-93E2-E3B085C9AB24}">
+                <p16:designElem xmlns:p16="http://schemas.microsoft.com/office/powerpoint/2015/main" val="1"/>
+              </p:ext>
+            </p:extLst>
+          </p:nvPr>
+        </p:nvSpPr>
+        <p:spPr>
+          <a:xfrm>
+            <a:off x="0" y="0"/>
+            <a:ext cx="12192000" cy="6858000"/>
+          </a:xfrm>
+          <a:prstGeom prst="rect">
+            <a:avLst/>
+          </a:prstGeom>
+          <a:ln>
+            <a:noFill/>
+          </a:ln>
+        </p:spPr>
+        <p:style>
+          <a:lnRef idx="2">
+            <a:schemeClr val="accent1">
+              <a:shade val="50000"/>
+            </a:schemeClr>
+          </a:lnRef>
+          <a:fillRef idx="1">
+            <a:schemeClr val="accent1"/>
+          </a:fillRef>
+          <a:effectRef idx="0">
+            <a:schemeClr val="accent1"/>
+          </a:effectRef>
+          <a:fontRef idx="minor">
+            <a:schemeClr val="lt1"/>
+          </a:fontRef>
+        </p:style>
+        <p:txBody>
+          <a:bodyPr rtlCol="0" anchor="ctr"/>
+          <a:lstStyle/>
+          <a:p>
+            <a:pPr algn="ctr"/>
+            <a:endParaRPr lang="en-US"/>
+          </a:p>
+        </p:txBody>
+      </p:sp>
+      <p:sp>
+        <p:nvSpPr>
+          <p:cNvPr id="11" name="Rectangle 10">
+            <a:extLst>
+              <a:ext uri="{FF2B5EF4-FFF2-40B4-BE49-F238E27FC236}">
+                <a16:creationId xmlns:a16="http://schemas.microsoft.com/office/drawing/2014/main" id="{7102A590-F9D8-4E57-B069-92109B64F145}"/>
+              </a:ext>
+              <a:ext uri="{C183D7F6-B498-43B3-948B-1728B52AA6E4}">
+                <adec:decorative xmlns:adec="http://schemas.microsoft.com/office/drawing/2017/decorative" val="1"/>
+              </a:ext>
+            </a:extLst>
+          </p:cNvPr>
+          <p:cNvSpPr>
+            <a:spLocks noGrp="1" noRot="1" noChangeAspect="1" noMove="1" noResize="1" noEditPoints="1" noAdjustHandles="1" noChangeArrowheads="1" noChangeShapeType="1" noTextEdit="1"/>
+          </p:cNvSpPr>
+          <p:nvPr>
+            <p:extLst>
+              <p:ext uri="{386F3935-93C4-4BCD-93E2-E3B085C9AB24}">
+                <p16:designElem xmlns:p16="http://schemas.microsoft.com/office/powerpoint/2015/main" val="1"/>
+              </p:ext>
+            </p:extLst>
+          </p:nvPr>
+        </p:nvSpPr>
+        <p:spPr>
+          <a:xfrm>
+            <a:off x="1" y="2398460"/>
+            <a:ext cx="8457055" cy="2061081"/>
+          </a:xfrm>
+          <a:prstGeom prst="rect">
+            <a:avLst/>
+          </a:prstGeom>
+          <a:solidFill>
+            <a:schemeClr val="tx2"/>
+          </a:solidFill>
+          <a:ln>
+            <a:noFill/>
+          </a:ln>
+        </p:spPr>
+        <p:style>
+          <a:lnRef idx="2">
+            <a:schemeClr val="accent1">
+              <a:shade val="50000"/>
+            </a:schemeClr>
+          </a:lnRef>
+          <a:fillRef idx="1">
+            <a:schemeClr val="accent1"/>
+          </a:fillRef>
+          <a:effectRef idx="0">
+            <a:schemeClr val="accent1"/>
+          </a:effectRef>
+          <a:fontRef idx="minor">
+            <a:schemeClr val="lt1"/>
+          </a:fontRef>
+        </p:style>
+        <p:txBody>
+          <a:bodyPr rtlCol="0" anchor="ctr"/>
+          <a:lstStyle/>
+          <a:p>
+            <a:pPr algn="ctr"/>
+            <a:endParaRPr lang="en-US"/>
+          </a:p>
+        </p:txBody>
+      </p:sp>
+      <p:sp>
+        <p:nvSpPr>
+          <p:cNvPr id="2" name="Título 1">
+            <a:extLst>
+              <a:ext uri="{FF2B5EF4-FFF2-40B4-BE49-F238E27FC236}">
+                <a16:creationId xmlns:a16="http://schemas.microsoft.com/office/drawing/2014/main" id="{202840C4-69DF-422A-9A9D-B68CDDAA6E70}"/>
+              </a:ext>
+            </a:extLst>
+          </p:cNvPr>
+          <p:cNvSpPr>
+            <a:spLocks noGrp="1"/>
+          </p:cNvSpPr>
+          <p:nvPr>
+            <p:ph type="title"/>
+          </p:nvPr>
+        </p:nvSpPr>
+        <p:spPr>
+          <a:xfrm>
+            <a:off x="2883867" y="3018138"/>
+            <a:ext cx="2407979" cy="869674"/>
+          </a:xfrm>
+        </p:spPr>
+        <p:txBody>
+          <a:bodyPr vert="horz" lIns="91440" tIns="45720" rIns="91440" bIns="45720" rtlCol="0" anchor="b">
+            <a:normAutofit/>
+          </a:bodyPr>
+          <a:lstStyle/>
+          <a:p>
+            <a:pPr>
+              <a:lnSpc>
+                <a:spcPct val="80000"/>
+              </a:lnSpc>
+            </a:pPr>
+            <a:r>
+              <a:rPr lang="en-US" sz="5400" spc="150" dirty="0"/>
+              <a:t>DEMO</a:t>
+            </a:r>
+          </a:p>
+        </p:txBody>
+      </p:sp>
+      <p:sp>
+        <p:nvSpPr>
+          <p:cNvPr id="13" name="Rectangle 12">
+            <a:extLst>
+              <a:ext uri="{FF2B5EF4-FFF2-40B4-BE49-F238E27FC236}">
+                <a16:creationId xmlns:a16="http://schemas.microsoft.com/office/drawing/2014/main" id="{75496513-37AD-4D15-9914-AB18C9817F21}"/>
+              </a:ext>
+              <a:ext uri="{C183D7F6-B498-43B3-948B-1728B52AA6E4}">
+                <adec:decorative xmlns:adec="http://schemas.microsoft.com/office/drawing/2017/decorative" val="1"/>
+              </a:ext>
+            </a:extLst>
+          </p:cNvPr>
+          <p:cNvSpPr>
+            <a:spLocks noGrp="1" noRot="1" noChangeAspect="1" noMove="1" noResize="1" noEditPoints="1" noAdjustHandles="1" noChangeArrowheads="1" noChangeShapeType="1" noTextEdit="1"/>
+          </p:cNvSpPr>
+          <p:nvPr>
+            <p:extLst>
+              <p:ext uri="{386F3935-93C4-4BCD-93E2-E3B085C9AB24}">
+                <p16:designElem xmlns:p16="http://schemas.microsoft.com/office/powerpoint/2015/main" val="1"/>
+              </p:ext>
+            </p:extLst>
+          </p:nvPr>
+        </p:nvSpPr>
+        <p:spPr>
+          <a:xfrm>
+            <a:off x="11875047" y="2398459"/>
+            <a:ext cx="316952" cy="2061081"/>
+          </a:xfrm>
+          <a:prstGeom prst="rect">
+            <a:avLst/>
+          </a:prstGeom>
+          <a:solidFill>
+            <a:schemeClr val="tx2"/>
+          </a:solidFill>
+          <a:ln>
+            <a:noFill/>
+          </a:ln>
+        </p:spPr>
+        <p:style>
+          <a:lnRef idx="2">
+            <a:schemeClr val="accent1">
+              <a:shade val="50000"/>
+            </a:schemeClr>
+          </a:lnRef>
+          <a:fillRef idx="1">
+            <a:schemeClr val="accent1"/>
+          </a:fillRef>
+          <a:effectRef idx="0">
+            <a:schemeClr val="accent1"/>
+          </a:effectRef>
+          <a:fontRef idx="minor">
+            <a:schemeClr val="lt1"/>
+          </a:fontRef>
+        </p:style>
+        <p:txBody>
+          <a:bodyPr rtlCol="0" anchor="ctr"/>
+          <a:lstStyle/>
+          <a:p>
+            <a:pPr algn="ctr"/>
+            <a:endParaRPr lang="en-US"/>
+          </a:p>
+        </p:txBody>
+      </p:sp>
+    </p:spTree>
+    <p:extLst>
+      <p:ext uri="{BB962C8B-B14F-4D97-AF65-F5344CB8AC3E}">
+        <p14:creationId xmlns:p14="http://schemas.microsoft.com/office/powerpoint/2010/main" val="1839394642"/>
+      </p:ext>
+    </p:extLst>
+  </p:cSld>
+  <p:clrMapOvr>
+    <a:overrideClrMapping bg1="lt1" tx1="dk1" bg2="lt2" tx2="dk2" accent1="accent1" accent2="accent2" accent3="accent3" accent4="accent4" accent5="accent5" accent6="accent6" hlink="hlink" folHlink="folHlink"/>
+  </p:clrMapOvr>
+</p:sld>
+</file>
+
+<file path=ppt/slides/slide8.xml><?xml version="1.0" encoding="utf-8"?>
+<p:sld xmlns:a="http://schemas.openxmlformats.org/drawingml/2006/main" xmlns:r="http://schemas.openxmlformats.org/officeDocument/2006/relationships" xmlns:p="http://schemas.openxmlformats.org/presentationml/2006/main">
+  <p:cSld>
+    <p:bg>
+      <p:bgPr>
+        <a:solidFill>
+          <a:schemeClr val="bg1"/>
+        </a:solidFill>
+        <a:effectLst/>
+      </p:bgPr>
+    </p:bg>
+    <p:spTree>
+      <p:nvGrpSpPr>
+        <p:cNvPr id="1" name=""/>
+        <p:cNvGrpSpPr/>
+        <p:nvPr/>
+      </p:nvGrpSpPr>
+      <p:grpSpPr>
+        <a:xfrm>
+          <a:off x="0" y="0"/>
+          <a:ext cx="0" cy="0"/>
+          <a:chOff x="0" y="0"/>
+          <a:chExt cx="0" cy="0"/>
+        </a:xfrm>
+      </p:grpSpPr>
+      <p:sp>
+        <p:nvSpPr>
+          <p:cNvPr id="9" name="Rectangle 8">
+            <a:extLst>
+              <a:ext uri="{FF2B5EF4-FFF2-40B4-BE49-F238E27FC236}">
+                <a16:creationId xmlns:a16="http://schemas.microsoft.com/office/drawing/2014/main" id="{049D8DFA-139C-473F-838D-D33ABE8856C7}"/>
+              </a:ext>
+              <a:ext uri="{C183D7F6-B498-43B3-948B-1728B52AA6E4}">
+                <adec:decorative xmlns:adec="http://schemas.microsoft.com/office/drawing/2017/decorative" val="1"/>
+              </a:ext>
+            </a:extLst>
+          </p:cNvPr>
+          <p:cNvSpPr>
+            <a:spLocks noGrp="1" noRot="1" noChangeAspect="1" noMove="1" noResize="1" noEditPoints="1" noAdjustHandles="1" noChangeArrowheads="1" noChangeShapeType="1" noTextEdit="1"/>
+          </p:cNvSpPr>
+          <p:nvPr>
+            <p:extLst>
+              <p:ext uri="{386F3935-93C4-4BCD-93E2-E3B085C9AB24}">
+                <p16:designElem xmlns:p16="http://schemas.microsoft.com/office/powerpoint/2015/main" val="1"/>
+              </p:ext>
+            </p:extLst>
+          </p:nvPr>
+        </p:nvSpPr>
+        <p:spPr>
+          <a:xfrm>
+            <a:off x="483" y="176109"/>
+            <a:ext cx="12188952" cy="1645919"/>
+          </a:xfrm>
+          <a:prstGeom prst="rect">
+            <a:avLst/>
+          </a:prstGeom>
+          <a:solidFill>
+            <a:schemeClr val="tx1"/>
+          </a:solidFill>
+          <a:ln>
+            <a:noFill/>
+          </a:ln>
+        </p:spPr>
+        <p:style>
+          <a:lnRef idx="2">
+            <a:schemeClr val="accent1">
+              <a:shade val="50000"/>
+            </a:schemeClr>
+          </a:lnRef>
+          <a:fillRef idx="1">
+            <a:schemeClr val="accent1"/>
+          </a:fillRef>
+          <a:effectRef idx="0">
+            <a:schemeClr val="accent1"/>
+          </a:effectRef>
+          <a:fontRef idx="minor">
+            <a:schemeClr val="lt1"/>
+          </a:fontRef>
+        </p:style>
+      </p:sp>
+      <p:sp useBgFill="1">
+        <p:nvSpPr>
+          <p:cNvPr id="11" name="Rectangle 10">
+            <a:extLst>
+              <a:ext uri="{FF2B5EF4-FFF2-40B4-BE49-F238E27FC236}">
+                <a16:creationId xmlns:a16="http://schemas.microsoft.com/office/drawing/2014/main" id="{CB972422-B794-4FA8-BCC6-BAF6938A1B53}"/>
+              </a:ext>
+              <a:ext uri="{C183D7F6-B498-43B3-948B-1728B52AA6E4}">
+                <adec:decorative xmlns:adec="http://schemas.microsoft.com/office/drawing/2017/decorative" val="1"/>
+              </a:ext>
+            </a:extLst>
+          </p:cNvPr>
+          <p:cNvSpPr>
+            <a:spLocks noGrp="1" noRot="1" noChangeAspect="1" noMove="1" noResize="1" noEditPoints="1" noAdjustHandles="1" noChangeArrowheads="1" noChangeShapeType="1" noTextEdit="1"/>
+          </p:cNvSpPr>
+          <p:nvPr>
+            <p:extLst>
+              <p:ext uri="{386F3935-93C4-4BCD-93E2-E3B085C9AB24}">
+                <p16:designElem xmlns:p16="http://schemas.microsoft.com/office/powerpoint/2015/main" val="1"/>
+              </p:ext>
+            </p:extLst>
+          </p:nvPr>
+        </p:nvSpPr>
+        <p:spPr>
+          <a:xfrm>
+            <a:off x="0" y="0"/>
+            <a:ext cx="12192000" cy="6858000"/>
+          </a:xfrm>
+          <a:prstGeom prst="rect">
+            <a:avLst/>
+          </a:prstGeom>
+          <a:ln>
+            <a:noFill/>
+          </a:ln>
+        </p:spPr>
+        <p:style>
+          <a:lnRef idx="2">
+            <a:schemeClr val="accent1">
+              <a:shade val="50000"/>
+            </a:schemeClr>
+          </a:lnRef>
+          <a:fillRef idx="1">
+            <a:schemeClr val="accent1"/>
+          </a:fillRef>
+          <a:effectRef idx="0">
+            <a:schemeClr val="accent1"/>
+          </a:effectRef>
+          <a:fontRef idx="minor">
+            <a:schemeClr val="lt1"/>
+          </a:fontRef>
+        </p:style>
+        <p:txBody>
+          <a:bodyPr rtlCol="0" anchor="ctr"/>
+          <a:lstStyle/>
+          <a:p>
+            <a:pPr algn="ctr"/>
+            <a:endParaRPr lang="en-US"/>
+          </a:p>
+        </p:txBody>
+      </p:sp>
+      <p:sp>
+        <p:nvSpPr>
+          <p:cNvPr id="2" name="Título 1">
+            <a:extLst>
+              <a:ext uri="{FF2B5EF4-FFF2-40B4-BE49-F238E27FC236}">
+                <a16:creationId xmlns:a16="http://schemas.microsoft.com/office/drawing/2014/main" id="{BAACF4DA-F32B-4E9A-B1A8-80FB131544C3}"/>
+              </a:ext>
+            </a:extLst>
+          </p:cNvPr>
+          <p:cNvSpPr>
+            <a:spLocks noGrp="1"/>
+          </p:cNvSpPr>
+          <p:nvPr>
+            <p:ph type="title"/>
+          </p:nvPr>
+        </p:nvSpPr>
+        <p:spPr>
+          <a:xfrm>
+            <a:off x="643467" y="1325880"/>
+            <a:ext cx="3089437" cy="4206240"/>
+          </a:xfrm>
+        </p:spPr>
+        <p:txBody>
+          <a:bodyPr vert="horz" lIns="91440" tIns="45720" rIns="91440" bIns="45720" rtlCol="0" anchor="ctr">
+            <a:normAutofit/>
+          </a:bodyPr>
+          <a:lstStyle/>
+          <a:p>
+            <a:pPr algn="r"/>
+            <a:r>
+              <a:rPr lang="en-US" sz="3200" dirty="0">
+                <a:solidFill>
+                  <a:schemeClr val="tx2"/>
+                </a:solidFill>
+              </a:rPr>
+              <a:t>CONCLUSIÓN</a:t>
+            </a:r>
+          </a:p>
+        </p:txBody>
+      </p:sp>
+      <p:sp>
+        <p:nvSpPr>
+          <p:cNvPr id="13" name="Rectangle 12">
+            <a:extLst>
+              <a:ext uri="{FF2B5EF4-FFF2-40B4-BE49-F238E27FC236}">
+                <a16:creationId xmlns:a16="http://schemas.microsoft.com/office/drawing/2014/main" id="{89DE9E2B-5611-49C8-862E-AD4D43A8AA6D}"/>
+              </a:ext>
+              <a:ext uri="{C183D7F6-B498-43B3-948B-1728B52AA6E4}">
+                <adec:decorative xmlns:adec="http://schemas.microsoft.com/office/drawing/2017/decorative" val="1"/>
+              </a:ext>
+            </a:extLst>
+          </p:cNvPr>
+          <p:cNvSpPr>
+            <a:spLocks noGrp="1" noRot="1" noChangeAspect="1" noMove="1" noResize="1" noEditPoints="1" noAdjustHandles="1" noChangeArrowheads="1" noChangeShapeType="1" noTextEdit="1"/>
+          </p:cNvSpPr>
+          <p:nvPr>
+            <p:extLst>
+              <p:ext uri="{386F3935-93C4-4BCD-93E2-E3B085C9AB24}">
+                <p16:designElem xmlns:p16="http://schemas.microsoft.com/office/powerpoint/2015/main" val="1"/>
+              </p:ext>
+            </p:extLst>
+          </p:nvPr>
+        </p:nvSpPr>
+        <p:spPr>
+          <a:xfrm>
+            <a:off x="0" y="0"/>
+            <a:ext cx="12195668" cy="482600"/>
+          </a:xfrm>
+          <a:prstGeom prst="rect">
+            <a:avLst/>
+          </a:prstGeom>
+          <a:solidFill>
+            <a:schemeClr val="tx2"/>
+          </a:solidFill>
+          <a:ln>
+            <a:noFill/>
+          </a:ln>
+        </p:spPr>
+        <p:style>
+          <a:lnRef idx="2">
+            <a:schemeClr val="accent1">
+              <a:shade val="50000"/>
+            </a:schemeClr>
+          </a:lnRef>
+          <a:fillRef idx="1">
+            <a:schemeClr val="accent1"/>
+          </a:fillRef>
+          <a:effectRef idx="0">
+            <a:schemeClr val="accent1"/>
+          </a:effectRef>
+          <a:fontRef idx="minor">
+            <a:schemeClr val="lt1"/>
+          </a:fontRef>
+        </p:style>
+      </p:sp>
+      <p:cxnSp>
+        <p:nvCxnSpPr>
+          <p:cNvPr id="15" name="Straight Connector 14">
+            <a:extLst>
+              <a:ext uri="{FF2B5EF4-FFF2-40B4-BE49-F238E27FC236}">
+                <a16:creationId xmlns:a16="http://schemas.microsoft.com/office/drawing/2014/main" id="{5296EC4F-8732-481B-94CB-C98E4EF297FF}"/>
+              </a:ext>
+              <a:ext uri="{C183D7F6-B498-43B3-948B-1728B52AA6E4}">
+                <adec:decorative xmlns:adec="http://schemas.microsoft.com/office/drawing/2017/decorative" val="1"/>
+              </a:ext>
+            </a:extLst>
+          </p:cNvPr>
+          <p:cNvCxnSpPr>
+            <a:cxnSpLocks noGrp="1" noRot="1" noChangeAspect="1" noMove="1" noResize="1" noEditPoints="1" noAdjustHandles="1" noChangeArrowheads="1" noChangeShapeType="1"/>
+          </p:cNvCxnSpPr>
+          <p:nvPr>
+            <p:extLst>
+              <p:ext uri="{386F3935-93C4-4BCD-93E2-E3B085C9AB24}">
+                <p16:designElem xmlns:p16="http://schemas.microsoft.com/office/powerpoint/2015/main" val="1"/>
+              </p:ext>
+            </p:extLst>
+          </p:nvPr>
+        </p:nvCxnSpPr>
+        <p:spPr>
+          <a:xfrm>
+            <a:off x="4059935" y="1836869"/>
+            <a:ext cx="0" cy="3184263"/>
+          </a:xfrm>
+          <a:prstGeom prst="line">
+            <a:avLst/>
+          </a:prstGeom>
+          <a:ln w="25400">
+            <a:solidFill>
+              <a:schemeClr val="tx2"/>
+            </a:solidFill>
+          </a:ln>
+        </p:spPr>
+        <p:style>
+          <a:lnRef idx="1">
+            <a:schemeClr val="accent1"/>
+          </a:lnRef>
+          <a:fillRef idx="0">
+            <a:schemeClr val="accent1"/>
+          </a:fillRef>
+          <a:effectRef idx="0">
+            <a:schemeClr val="accent1"/>
+          </a:effectRef>
+          <a:fontRef idx="minor">
+            <a:schemeClr val="tx1"/>
+          </a:fontRef>
+        </p:style>
+      </p:cxnSp>
+      <p:sp>
+        <p:nvSpPr>
+          <p:cNvPr id="4" name="Marcador de texto 3">
+            <a:extLst>
+              <a:ext uri="{FF2B5EF4-FFF2-40B4-BE49-F238E27FC236}">
+                <a16:creationId xmlns:a16="http://schemas.microsoft.com/office/drawing/2014/main" id="{99508D73-BF34-4F46-86A3-0A64662195C2}"/>
+              </a:ext>
+            </a:extLst>
+          </p:cNvPr>
+          <p:cNvSpPr>
+            <a:spLocks noGrp="1"/>
+          </p:cNvSpPr>
+          <p:nvPr>
+            <p:ph type="body" sz="half" idx="2"/>
+          </p:nvPr>
+        </p:nvSpPr>
+        <p:spPr>
+          <a:xfrm>
+            <a:off x="4381668" y="1126067"/>
+            <a:ext cx="6605331" cy="4605866"/>
+          </a:xfrm>
+        </p:spPr>
+        <p:txBody>
+          <a:bodyPr vert="horz" lIns="91440" tIns="45720" rIns="91440" bIns="45720" rtlCol="0" anchor="ctr">
+            <a:normAutofit/>
+          </a:bodyPr>
+          <a:lstStyle/>
+          <a:p>
+            <a:pPr marL="342900" indent="-342900">
+              <a:lnSpc>
+                <a:spcPct val="90000"/>
+              </a:lnSpc>
+              <a:buFont typeface="Arial" panose="020B0604020202020204" pitchFamily="34" charset="0"/>
+              <a:buChar char="•"/>
+            </a:pPr>
+            <a:r>
+              <a:rPr lang="en-US" sz="3200" dirty="0">
+                <a:solidFill>
+                  <a:schemeClr val="tx2"/>
+                </a:solidFill>
+              </a:rPr>
+              <a:t>POSIBLE V2 DE LA APP CON </a:t>
+            </a:r>
+          </a:p>
+          <a:p>
+            <a:pPr marL="800100" lvl="1" indent="-342900">
+              <a:buFont typeface="Arial" panose="020B0604020202020204" pitchFamily="34" charset="0"/>
+              <a:buChar char="•"/>
+            </a:pPr>
+            <a:r>
+              <a:rPr lang="en-US" sz="2400" dirty="0">
+                <a:solidFill>
+                  <a:schemeClr val="tx2"/>
+                </a:solidFill>
+              </a:rPr>
+              <a:t>IMPLENTACIÓN DE RETOS</a:t>
+            </a:r>
+          </a:p>
+          <a:p>
+            <a:pPr marL="800100" lvl="1" indent="-342900">
+              <a:buFont typeface="Arial" panose="020B0604020202020204" pitchFamily="34" charset="0"/>
+              <a:buChar char="•"/>
+            </a:pPr>
+            <a:r>
+              <a:rPr lang="en-US" sz="2400" dirty="0">
+                <a:solidFill>
+                  <a:schemeClr val="tx2"/>
+                </a:solidFill>
+              </a:rPr>
+              <a:t>COMENTARIOS EN RECETAS</a:t>
+            </a:r>
+          </a:p>
+          <a:p>
+            <a:pPr marL="800100" lvl="1" indent="-342900">
+              <a:buFont typeface="Arial" panose="020B0604020202020204" pitchFamily="34" charset="0"/>
+              <a:buChar char="•"/>
+            </a:pPr>
+            <a:r>
+              <a:rPr lang="en-US" sz="2400" dirty="0">
+                <a:solidFill>
+                  <a:schemeClr val="tx2"/>
+                </a:solidFill>
+              </a:rPr>
+              <a:t>CALIFICACIÓN DE USUARIOS Y/O RECETAS</a:t>
+            </a:r>
+          </a:p>
+        </p:txBody>
+      </p:sp>
+      <p:sp>
+        <p:nvSpPr>
+          <p:cNvPr id="17" name="Rectangle 16">
+            <a:extLst>
+              <a:ext uri="{FF2B5EF4-FFF2-40B4-BE49-F238E27FC236}">
+                <a16:creationId xmlns:a16="http://schemas.microsoft.com/office/drawing/2014/main" id="{519C7155-1644-4C60-B0B5-32B1800D6044}"/>
+              </a:ext>
+              <a:ext uri="{C183D7F6-B498-43B3-948B-1728B52AA6E4}">
+                <adec:decorative xmlns:adec="http://schemas.microsoft.com/office/drawing/2017/decorative" val="1"/>
+              </a:ext>
+            </a:extLst>
+          </p:cNvPr>
+          <p:cNvSpPr>
+            <a:spLocks noGrp="1" noRot="1" noChangeAspect="1" noMove="1" noResize="1" noEditPoints="1" noAdjustHandles="1" noChangeArrowheads="1" noChangeShapeType="1" noTextEdit="1"/>
+          </p:cNvSpPr>
+          <p:nvPr>
+            <p:extLst>
+              <p:ext uri="{386F3935-93C4-4BCD-93E2-E3B085C9AB24}">
+                <p16:designElem xmlns:p16="http://schemas.microsoft.com/office/powerpoint/2015/main" val="1"/>
+              </p:ext>
+            </p:extLst>
+          </p:nvPr>
+        </p:nvSpPr>
+        <p:spPr>
+          <a:xfrm>
+            <a:off x="0" y="6375400"/>
+            <a:ext cx="12195668" cy="482600"/>
+          </a:xfrm>
+          <a:prstGeom prst="rect">
+            <a:avLst/>
+          </a:prstGeom>
+          <a:solidFill>
+            <a:schemeClr val="tx2"/>
+          </a:solidFill>
+          <a:ln>
+            <a:noFill/>
+          </a:ln>
+        </p:spPr>
+        <p:style>
+          <a:lnRef idx="2">
+            <a:schemeClr val="accent1">
+              <a:shade val="50000"/>
+            </a:schemeClr>
+          </a:lnRef>
+          <a:fillRef idx="1">
+            <a:schemeClr val="accent1"/>
+          </a:fillRef>
+          <a:effectRef idx="0">
+            <a:schemeClr val="accent1"/>
+          </a:effectRef>
+          <a:fontRef idx="minor">
+            <a:schemeClr val="lt1"/>
+          </a:fontRef>
+        </p:style>
+      </p:sp>
+      <p:sp>
+        <p:nvSpPr>
+          <p:cNvPr id="5" name="CuadroTexto 4">
+            <a:extLst>
+              <a:ext uri="{FF2B5EF4-FFF2-40B4-BE49-F238E27FC236}">
+                <a16:creationId xmlns:a16="http://schemas.microsoft.com/office/drawing/2014/main" id="{18BD13C1-5B49-4FBA-AEC9-7519E0731B17}"/>
+              </a:ext>
+            </a:extLst>
+          </p:cNvPr>
+          <p:cNvSpPr txBox="1"/>
+          <p:nvPr/>
+        </p:nvSpPr>
+        <p:spPr>
+          <a:xfrm>
+            <a:off x="1031133" y="5728057"/>
+            <a:ext cx="10787965" cy="584775"/>
+          </a:xfrm>
+          <a:prstGeom prst="rect">
+            <a:avLst/>
+          </a:prstGeom>
+          <a:noFill/>
+        </p:spPr>
+        <p:txBody>
+          <a:bodyPr wrap="square" rtlCol="0">
+            <a:spAutoFit/>
+          </a:bodyPr>
+          <a:lstStyle/>
+          <a:p>
+            <a:r>
+              <a:rPr lang="es-ES" sz="3200" b="1" dirty="0"/>
+              <a:t>¿CUESTIONES, DUDAS, INCERTIDUMBRES, PREGUNTAS?</a:t>
+            </a:r>
+          </a:p>
+        </p:txBody>
+      </p:sp>
+    </p:spTree>
+    <p:extLst>
+      <p:ext uri="{BB962C8B-B14F-4D97-AF65-F5344CB8AC3E}">
+        <p14:creationId xmlns:p14="http://schemas.microsoft.com/office/powerpoint/2010/main" val="3764685415"/>
       </p:ext>
     </p:extLst>
   </p:cSld>
